--- a/1821086_matsuo_sotsuken_0528.pptx
+++ b/1821086_matsuo_sotsuken_0528.pptx
@@ -5,16 +5,17 @@
     <p:sldMasterId id="2147483660" r:id="rId1"/>
   </p:sldMasterIdLst>
   <p:notesMasterIdLst>
-    <p:notesMasterId r:id="rId9"/>
+    <p:notesMasterId r:id="rId10"/>
   </p:notesMasterIdLst>
   <p:sldIdLst>
     <p:sldId id="257" r:id="rId2"/>
-    <p:sldId id="262" r:id="rId3"/>
-    <p:sldId id="258" r:id="rId4"/>
-    <p:sldId id="259" r:id="rId5"/>
-    <p:sldId id="260" r:id="rId6"/>
-    <p:sldId id="264" r:id="rId7"/>
-    <p:sldId id="263" r:id="rId8"/>
+    <p:sldId id="258" r:id="rId3"/>
+    <p:sldId id="265" r:id="rId4"/>
+    <p:sldId id="262" r:id="rId5"/>
+    <p:sldId id="259" r:id="rId6"/>
+    <p:sldId id="260" r:id="rId7"/>
+    <p:sldId id="264" r:id="rId8"/>
+    <p:sldId id="263" r:id="rId9"/>
   </p:sldIdLst>
   <p:sldSz cx="9144000" cy="6858000" type="screen4x3"/>
   <p:notesSz cx="6858000" cy="9144000"/>
@@ -3837,107 +3838,47 @@
           <a:lstStyle/>
           <a:p>
             <a:r>
+              <a:rPr kumimoji="1" lang="en-US" altLang="ja-JP" dirty="0" smtClean="0"/>
+              <a:t>5/21</a:t>
+            </a:r>
+            <a:r>
+              <a:rPr kumimoji="1" lang="ja-JP" altLang="en-US" dirty="0" smtClean="0"/>
+              <a:t>～</a:t>
+            </a:r>
+            <a:r>
+              <a:rPr kumimoji="1" lang="en-US" altLang="ja-JP" dirty="0" smtClean="0"/>
+              <a:t>5/28</a:t>
+            </a:r>
+            <a:r>
+              <a:rPr kumimoji="1" lang="ja-JP" altLang="en-US" dirty="0" err="1" smtClean="0"/>
+              <a:t>までの</a:t>
+            </a:r>
+            <a:r>
+              <a:rPr kumimoji="1" lang="ja-JP" altLang="en-US" dirty="0" smtClean="0"/>
+              <a:t>進捗</a:t>
+            </a:r>
+            <a:endParaRPr kumimoji="1" lang="ja-JP" altLang="en-US" dirty="0"/>
+          </a:p>
+        </p:txBody>
+      </p:sp>
+      <p:sp>
+        <p:nvSpPr>
+          <p:cNvPr id="3" name="コンテンツ プレースホルダー 2"/>
+          <p:cNvSpPr>
+            <a:spLocks noGrp="1"/>
+          </p:cNvSpPr>
+          <p:nvPr>
+            <p:ph idx="1"/>
+          </p:nvPr>
+        </p:nvSpPr>
+        <p:spPr/>
+        <p:txBody>
+          <a:bodyPr/>
+          <a:lstStyle/>
+          <a:p>
+            <a:r>
               <a:rPr lang="ja-JP" altLang="en-US" dirty="0" smtClean="0"/>
-              <a:t>課題</a:t>
-            </a:r>
-            <a:endParaRPr kumimoji="1" lang="ja-JP" altLang="en-US" dirty="0"/>
-          </a:p>
-        </p:txBody>
-      </p:sp>
-      <p:sp>
-        <p:nvSpPr>
-          <p:cNvPr id="3" name="コンテンツ プレースホルダー 2"/>
-          <p:cNvSpPr>
-            <a:spLocks noGrp="1"/>
-          </p:cNvSpPr>
-          <p:nvPr>
-            <p:ph idx="1"/>
-          </p:nvPr>
-        </p:nvSpPr>
-        <p:spPr/>
-        <p:txBody>
-          <a:bodyPr>
-            <a:normAutofit/>
-          </a:bodyPr>
-          <a:lstStyle/>
-          <a:p>
-            <a:pPr lvl="1"/>
-            <a:r>
-              <a:rPr lang="ja-JP" altLang="en-US" dirty="0"/>
-              <a:t>現在のロードバランサーはコネクション数に着目して負荷分散処理をして</a:t>
-            </a:r>
-            <a:r>
-              <a:rPr lang="ja-JP" altLang="en-US" dirty="0" smtClean="0"/>
-              <a:t>いる。</a:t>
-            </a:r>
-            <a:r>
-              <a:rPr lang="ja-JP" altLang="en-US" dirty="0"/>
-              <a:t/>
-            </a:r>
-            <a:br>
-              <a:rPr lang="ja-JP" altLang="en-US" dirty="0"/>
-            </a:br>
-            <a:r>
-              <a:rPr lang="ja-JP" altLang="en-US" dirty="0" smtClean="0"/>
-              <a:t>しかし、応答速度</a:t>
-            </a:r>
-            <a:r>
-              <a:rPr lang="ja-JP" altLang="en-US" dirty="0"/>
-              <a:t>が遅いサーバにつないでしまう</a:t>
-            </a:r>
-            <a:r>
-              <a:rPr lang="ja-JP" altLang="en-US" dirty="0" smtClean="0"/>
-              <a:t>と返って速度</a:t>
-            </a:r>
-            <a:r>
-              <a:rPr lang="ja-JP" altLang="en-US" dirty="0"/>
-              <a:t>が落ちてしまう問題がある</a:t>
-            </a:r>
-            <a:r>
-              <a:rPr lang="ja-JP" altLang="en-US" dirty="0" smtClean="0"/>
-              <a:t>。</a:t>
-            </a:r>
-            <a:endParaRPr lang="en-US" altLang="ja-JP" dirty="0" smtClean="0"/>
-          </a:p>
-          <a:p>
-            <a:pPr marL="457200" lvl="1" indent="0">
-              <a:buNone/>
-            </a:pPr>
-            <a:endParaRPr lang="en-US" altLang="ja-JP" dirty="0"/>
-          </a:p>
-          <a:p>
-            <a:pPr lvl="1"/>
-            <a:r>
-              <a:rPr lang="en-US" altLang="ja-JP" dirty="0" smtClean="0"/>
-              <a:t>WEB</a:t>
-            </a:r>
-            <a:r>
-              <a:rPr lang="ja-JP" altLang="en-US" dirty="0" smtClean="0"/>
-              <a:t>サーバを返す</a:t>
-            </a:r>
-            <a:r>
-              <a:rPr lang="en-US" altLang="ja-JP" dirty="0" smtClean="0"/>
-              <a:t>LB</a:t>
-            </a:r>
-            <a:r>
-              <a:rPr lang="ja-JP" altLang="en-US" dirty="0" smtClean="0"/>
-              <a:t>は検索システムなどに相性が良いという利点がる。</a:t>
-            </a:r>
-            <a:r>
-              <a:rPr lang="en-US" altLang="ja-JP" dirty="0" smtClean="0"/>
-              <a:t>Apache</a:t>
-            </a:r>
-            <a:r>
-              <a:rPr lang="ja-JP" altLang="en-US" dirty="0" smtClean="0"/>
-              <a:t>の</a:t>
-            </a:r>
-            <a:r>
-              <a:rPr lang="en-US" altLang="ja-JP" dirty="0" smtClean="0"/>
-              <a:t>httpd.com</a:t>
-            </a:r>
-            <a:r>
-              <a:rPr lang="ja-JP" altLang="en-US" dirty="0" smtClean="0"/>
-              <a:t>を編集することで実現できる。</a:t>
+              <a:t>前回作った応答速度を求めるプログラムで</a:t>
             </a:r>
             <a:r>
               <a:rPr lang="en-US" altLang="ja-JP" dirty="0" smtClean="0"/>
@@ -3948,15 +3889,15 @@
             </a:br>
             <a:r>
               <a:rPr lang="ja-JP" altLang="en-US" dirty="0" smtClean="0"/>
-              <a:t>しかし、プログラムの処理を分散させるだけなら</a:t>
+              <a:t>実際に「</a:t>
             </a:r>
             <a:r>
               <a:rPr lang="en-US" altLang="ja-JP" dirty="0" smtClean="0"/>
-              <a:t>WEB</a:t>
+              <a:t>kait.jp</a:t>
             </a:r>
             <a:r>
               <a:rPr lang="ja-JP" altLang="en-US" dirty="0" smtClean="0"/>
-              <a:t>を通さなくても良い。</a:t>
+              <a:t>」のサーバを計測</a:t>
             </a:r>
             <a:r>
               <a:rPr lang="en-US" altLang="ja-JP" dirty="0" smtClean="0"/>
@@ -3966,24 +3907,90 @@
               <a:rPr lang="en-US" altLang="ja-JP" dirty="0" smtClean="0"/>
             </a:br>
             <a:r>
-              <a:rPr lang="en-US" altLang="ja-JP" dirty="0" err="1" smtClean="0"/>
-              <a:t>Apach</a:t>
+              <a:rPr lang="en-US" altLang="ja-JP" sz="2000" dirty="0" smtClean="0"/>
+              <a:t>(</a:t>
+            </a:r>
+            <a:r>
+              <a:rPr lang="en-US" altLang="ja-JP" sz="2000" dirty="0"/>
+              <a:t>1</a:t>
+            </a:r>
+            <a:r>
+              <a:rPr lang="ja-JP" altLang="en-US" sz="2000" dirty="0" smtClean="0"/>
+              <a:t>日</a:t>
+            </a:r>
+            <a:r>
+              <a:rPr lang="en-US" altLang="ja-JP" sz="2000" dirty="0" smtClean="0"/>
+              <a:t>PC</a:t>
+            </a:r>
+            <a:r>
+              <a:rPr lang="ja-JP" altLang="en-US" sz="2000" dirty="0" smtClean="0"/>
+              <a:t>をつけっぱなしにして</a:t>
+            </a:r>
+            <a:r>
+              <a:rPr lang="en-US" altLang="ja-JP" sz="2000" dirty="0" smtClean="0"/>
+              <a:t>30</a:t>
+            </a:r>
+            <a:r>
+              <a:rPr lang="ja-JP" altLang="en-US" sz="2000" dirty="0" smtClean="0"/>
+              <a:t>分</a:t>
+            </a:r>
+            <a:r>
+              <a:rPr lang="ja-JP" altLang="en-US" sz="2000" dirty="0"/>
+              <a:t>毎に</a:t>
+            </a:r>
+            <a:r>
+              <a:rPr lang="ja-JP" altLang="en-US" sz="2000" dirty="0" smtClean="0"/>
+              <a:t>リクエストを送信</a:t>
+            </a:r>
+            <a:r>
+              <a:rPr lang="en-US" altLang="ja-JP" sz="2000" dirty="0" smtClean="0"/>
+              <a:t>)</a:t>
+            </a:r>
+            <a:endParaRPr lang="en-US" altLang="ja-JP" sz="2400" dirty="0" smtClean="0"/>
+          </a:p>
+          <a:p>
+            <a:endParaRPr lang="en-US" altLang="ja-JP" dirty="0"/>
+          </a:p>
+          <a:p>
+            <a:r>
+              <a:rPr lang="ja-JP" altLang="en-US" dirty="0"/>
+              <a:t>応答</a:t>
             </a:r>
             <a:r>
               <a:rPr lang="ja-JP" altLang="en-US" dirty="0" smtClean="0"/>
-              <a:t>を使わない分散処理方法が分からない。</a:t>
+              <a:t>時間のログファイルから平均を出すプログラムの作成。</a:t>
+            </a:r>
+            <a:endParaRPr lang="en-US" altLang="ja-JP" dirty="0" smtClean="0"/>
+          </a:p>
+          <a:p>
+            <a:endParaRPr lang="en-US" altLang="ja-JP" dirty="0" smtClean="0"/>
+          </a:p>
+          <a:p>
+            <a:r>
+              <a:rPr lang="ja-JP" altLang="en-US" dirty="0" smtClean="0"/>
+              <a:t>上記のプログラムが正しく動いているか</a:t>
             </a:r>
             <a:r>
               <a:rPr lang="en-US" altLang="ja-JP" dirty="0" smtClean="0"/>
-              <a:t/>
-            </a:r>
-            <a:br>
-              <a:rPr lang="en-US" altLang="ja-JP" dirty="0" smtClean="0"/>
-            </a:br>
+              <a:t>Excel</a:t>
+            </a:r>
+            <a:r>
+              <a:rPr lang="ja-JP" altLang="en-US" dirty="0" smtClean="0"/>
+              <a:t>で検証</a:t>
+            </a:r>
+            <a:endParaRPr lang="en-US" altLang="ja-JP" dirty="0"/>
+          </a:p>
+          <a:p>
             <a:endParaRPr lang="en-US" altLang="ja-JP" dirty="0" smtClean="0"/>
           </a:p>
           <a:p>
             <a:endParaRPr lang="en-US" altLang="ja-JP" dirty="0" smtClean="0"/>
+          </a:p>
+          <a:p>
+            <a:endParaRPr lang="en-US" altLang="ja-JP" dirty="0" smtClean="0"/>
+          </a:p>
+          <a:p>
+            <a:endParaRPr kumimoji="1" lang="ja-JP" altLang="en-US" dirty="0"/>
           </a:p>
         </p:txBody>
       </p:sp>
@@ -4013,7 +4020,7 @@
     </p:spTree>
     <p:extLst>
       <p:ext uri="{BB962C8B-B14F-4D97-AF65-F5344CB8AC3E}">
-        <p14:creationId xmlns:p14="http://schemas.microsoft.com/office/powerpoint/2010/main" val="2826616788"/>
+        <p14:creationId xmlns:p14="http://schemas.microsoft.com/office/powerpoint/2010/main" val="1254730122"/>
       </p:ext>
     </p:extLst>
   </p:cSld>
@@ -4063,24 +4070,8 @@
           <a:lstStyle/>
           <a:p>
             <a:r>
-              <a:rPr kumimoji="1" lang="en-US" altLang="ja-JP" dirty="0" smtClean="0"/>
-              <a:t>5/21</a:t>
-            </a:r>
-            <a:r>
               <a:rPr kumimoji="1" lang="ja-JP" altLang="en-US" dirty="0" smtClean="0"/>
-              <a:t>～</a:t>
-            </a:r>
-            <a:r>
-              <a:rPr kumimoji="1" lang="en-US" altLang="ja-JP" dirty="0" smtClean="0"/>
-              <a:t>5/28</a:t>
-            </a:r>
-            <a:r>
-              <a:rPr kumimoji="1" lang="ja-JP" altLang="en-US" dirty="0" err="1" smtClean="0"/>
-              <a:t>までの</a:t>
-            </a:r>
-            <a:r>
-              <a:rPr kumimoji="1" lang="ja-JP" altLang="en-US" dirty="0" smtClean="0"/>
-              <a:t>進捗</a:t>
+              <a:t>研究背景</a:t>
             </a:r>
             <a:endParaRPr kumimoji="1" lang="ja-JP" altLang="en-US" dirty="0"/>
           </a:p>
@@ -4102,125 +4093,48 @@
           <a:lstStyle/>
           <a:p>
             <a:r>
+              <a:rPr lang="ja-JP" altLang="en-US" dirty="0"/>
+              <a:t>現在のロードバランサーはコネクション数に着目して負荷分散処理をしている。</a:t>
+            </a:r>
+            <a:br>
+              <a:rPr lang="ja-JP" altLang="en-US" dirty="0"/>
+            </a:br>
+            <a:r>
+              <a:rPr lang="ja-JP" altLang="en-US" dirty="0"/>
+              <a:t>しかし、応答速度が遅いサーバにつないでしまうと返って速度が落ちてしまう問題がある</a:t>
+            </a:r>
+            <a:r>
               <a:rPr lang="ja-JP" altLang="en-US" dirty="0" smtClean="0"/>
-              <a:t>前回作った応答速度を求めるプログラムで</a:t>
-            </a:r>
-            <a:r>
-              <a:rPr lang="en-US" altLang="ja-JP" dirty="0" smtClean="0"/>
-              <a:t/>
-            </a:r>
-            <a:br>
-              <a:rPr lang="en-US" altLang="ja-JP" dirty="0" smtClean="0"/>
-            </a:br>
+              <a:t>。</a:t>
+            </a:r>
+            <a:endParaRPr lang="en-US" altLang="ja-JP" dirty="0" smtClean="0"/>
+          </a:p>
+          <a:p>
+            <a:endParaRPr lang="en-US" altLang="ja-JP" dirty="0"/>
+          </a:p>
+          <a:p>
             <a:r>
               <a:rPr lang="ja-JP" altLang="en-US" dirty="0" smtClean="0"/>
-              <a:t>実際に「</a:t>
-            </a:r>
-            <a:r>
-              <a:rPr lang="en-US" altLang="ja-JP" dirty="0" smtClean="0"/>
-              <a:t>kait.jp</a:t>
+              <a:t>応答</a:t>
+            </a:r>
+            <a:r>
+              <a:rPr lang="ja-JP" altLang="en-US" dirty="0"/>
+              <a:t>速度も考慮する</a:t>
+            </a:r>
+            <a:r>
+              <a:rPr lang="en-US" altLang="ja-JP" dirty="0"/>
+              <a:t>LB</a:t>
+            </a:r>
+            <a:r>
+              <a:rPr lang="ja-JP" altLang="en-US" dirty="0"/>
+              <a:t>が必要</a:t>
             </a:r>
             <a:r>
               <a:rPr lang="ja-JP" altLang="en-US" dirty="0" smtClean="0"/>
-              <a:t>」</a:t>
-            </a:r>
-            <a:r>
-              <a:rPr lang="ja-JP" altLang="en-US" dirty="0" smtClean="0"/>
-              <a:t>のサーバを計測</a:t>
-            </a:r>
-            <a:r>
-              <a:rPr lang="en-US" altLang="ja-JP" dirty="0" smtClean="0"/>
-              <a:t/>
-            </a:r>
-            <a:br>
-              <a:rPr lang="en-US" altLang="ja-JP" dirty="0" smtClean="0"/>
-            </a:br>
-            <a:r>
-              <a:rPr lang="en-US" altLang="ja-JP" sz="2000" dirty="0" smtClean="0"/>
-              <a:t>(</a:t>
-            </a:r>
-            <a:r>
-              <a:rPr lang="en-US" altLang="ja-JP" sz="2000" dirty="0"/>
-              <a:t>1</a:t>
-            </a:r>
-            <a:r>
-              <a:rPr lang="ja-JP" altLang="en-US" sz="2000" dirty="0" smtClean="0"/>
-              <a:t>日</a:t>
-            </a:r>
-            <a:r>
-              <a:rPr lang="en-US" altLang="ja-JP" sz="2000" dirty="0" smtClean="0"/>
-              <a:t>PC</a:t>
-            </a:r>
-            <a:r>
-              <a:rPr lang="ja-JP" altLang="en-US" sz="2000" dirty="0" smtClean="0"/>
-              <a:t>をつけっぱなしにして</a:t>
-            </a:r>
-            <a:r>
-              <a:rPr lang="en-US" altLang="ja-JP" sz="2000" dirty="0" smtClean="0"/>
-              <a:t>30</a:t>
-            </a:r>
-            <a:r>
-              <a:rPr lang="ja-JP" altLang="en-US" sz="2000" dirty="0" smtClean="0"/>
-              <a:t>分</a:t>
-            </a:r>
-            <a:r>
-              <a:rPr lang="ja-JP" altLang="en-US" sz="2000" dirty="0"/>
-              <a:t>毎に</a:t>
-            </a:r>
-            <a:r>
-              <a:rPr lang="ja-JP" altLang="en-US" sz="2000" dirty="0" smtClean="0"/>
-              <a:t>リクエストを送信</a:t>
-            </a:r>
-            <a:r>
-              <a:rPr lang="en-US" altLang="ja-JP" sz="2000" dirty="0" smtClean="0"/>
-              <a:t>)</a:t>
-            </a:r>
-            <a:endParaRPr lang="en-US" altLang="ja-JP" sz="2400" dirty="0" smtClean="0"/>
-          </a:p>
-          <a:p>
+              <a:t>。</a:t>
+            </a:r>
             <a:endParaRPr lang="en-US" altLang="ja-JP" dirty="0"/>
           </a:p>
-          <a:p>
-            <a:r>
-              <a:rPr lang="ja-JP" altLang="en-US" dirty="0"/>
-              <a:t>応答</a:t>
-            </a:r>
-            <a:r>
-              <a:rPr lang="ja-JP" altLang="en-US" dirty="0" smtClean="0"/>
-              <a:t>時間のログファイルから平均を出すプログラムの作成。</a:t>
-            </a:r>
-            <a:endParaRPr lang="en-US" altLang="ja-JP" dirty="0" smtClean="0"/>
-          </a:p>
-          <a:p>
-            <a:endParaRPr lang="en-US" altLang="ja-JP" dirty="0" smtClean="0"/>
-          </a:p>
-          <a:p>
-            <a:r>
-              <a:rPr lang="ja-JP" altLang="en-US" dirty="0" smtClean="0"/>
-              <a:t>上記のプログラムが正しく動いているか</a:t>
-            </a:r>
-            <a:r>
-              <a:rPr lang="en-US" altLang="ja-JP" dirty="0" smtClean="0"/>
-              <a:t>Excel</a:t>
-            </a:r>
-            <a:r>
-              <a:rPr lang="ja-JP" altLang="en-US" dirty="0" smtClean="0"/>
-              <a:t>で検証</a:t>
-            </a:r>
-            <a:endParaRPr lang="en-US" altLang="ja-JP" dirty="0"/>
-          </a:p>
-          <a:p>
-            <a:endParaRPr lang="en-US" altLang="ja-JP" dirty="0" smtClean="0"/>
-          </a:p>
-          <a:p>
-            <a:endParaRPr lang="en-US" altLang="ja-JP" dirty="0" smtClean="0"/>
-          </a:p>
-          <a:p>
-            <a:endParaRPr lang="en-US" altLang="ja-JP" dirty="0" smtClean="0"/>
-          </a:p>
-          <a:p>
-            <a:endParaRPr kumimoji="1" lang="ja-JP" altLang="en-US" dirty="0"/>
-          </a:p>
         </p:txBody>
       </p:sp>
       <p:sp>
@@ -4238,7 +4152,7 @@
           <a:bodyPr/>
           <a:lstStyle/>
           <a:p>
-            <a:fld id="{010A43D1-8C5F-4BB5-96AD-6A66B588192F}" type="slidenum">
+            <a:fld id="{4A32CB03-0843-4AF8-BFB2-C9917854BC7E}" type="slidenum">
               <a:rPr kumimoji="1" lang="ja-JP" altLang="en-US" smtClean="0"/>
               <a:t>3</a:t>
             </a:fld>
@@ -4249,20 +4163,13 @@
     </p:spTree>
     <p:extLst>
       <p:ext uri="{BB962C8B-B14F-4D97-AF65-F5344CB8AC3E}">
-        <p14:creationId xmlns:p14="http://schemas.microsoft.com/office/powerpoint/2010/main" val="1254730122"/>
+        <p14:creationId xmlns:p14="http://schemas.microsoft.com/office/powerpoint/2010/main" val="2099709726"/>
       </p:ext>
     </p:extLst>
   </p:cSld>
   <p:clrMapOvr>
     <a:masterClrMapping/>
   </p:clrMapOvr>
-  <p:timing>
-    <p:tnLst>
-      <p:par>
-        <p:cTn id="1" dur="indefinite" restart="never" nodeType="tmRoot"/>
-      </p:par>
-    </p:tnLst>
-  </p:timing>
 </p:sld>
 </file>
 
@@ -4299,14 +4206,132 @@
           <a:lstStyle/>
           <a:p>
             <a:r>
-              <a:rPr kumimoji="1" lang="en-US" altLang="ja-JP" dirty="0" smtClean="0"/>
-              <a:t>Kait.jp</a:t>
-            </a:r>
-            <a:r>
-              <a:rPr kumimoji="1" lang="ja-JP" altLang="en-US" dirty="0" smtClean="0"/>
-              <a:t>応答速度の計測結果</a:t>
+              <a:rPr lang="ja-JP" altLang="en-US" dirty="0" smtClean="0"/>
+              <a:t>課題</a:t>
             </a:r>
             <a:endParaRPr kumimoji="1" lang="ja-JP" altLang="en-US" dirty="0"/>
+          </a:p>
+        </p:txBody>
+      </p:sp>
+      <p:sp>
+        <p:nvSpPr>
+          <p:cNvPr id="3" name="コンテンツ プレースホルダー 2"/>
+          <p:cNvSpPr>
+            <a:spLocks noGrp="1"/>
+          </p:cNvSpPr>
+          <p:nvPr>
+            <p:ph idx="1"/>
+          </p:nvPr>
+        </p:nvSpPr>
+        <p:spPr>
+          <a:xfrm>
+            <a:off x="555822" y="1358916"/>
+            <a:ext cx="7886700" cy="4351338"/>
+          </a:xfrm>
+        </p:spPr>
+        <p:txBody>
+          <a:bodyPr>
+            <a:normAutofit/>
+          </a:bodyPr>
+          <a:lstStyle/>
+          <a:p>
+            <a:pPr marL="457200" lvl="1" indent="0">
+              <a:buNone/>
+            </a:pPr>
+            <a:endParaRPr lang="en-US" altLang="ja-JP" dirty="0" smtClean="0"/>
+          </a:p>
+          <a:p>
+            <a:pPr lvl="1"/>
+            <a:r>
+              <a:rPr lang="en-US" altLang="ja-JP" dirty="0" smtClean="0"/>
+              <a:t>WEB</a:t>
+            </a:r>
+            <a:r>
+              <a:rPr lang="ja-JP" altLang="en-US" dirty="0" smtClean="0"/>
+              <a:t>サーバを返す</a:t>
+            </a:r>
+            <a:r>
+              <a:rPr lang="en-US" altLang="ja-JP" dirty="0" smtClean="0"/>
+              <a:t>LB</a:t>
+            </a:r>
+            <a:r>
+              <a:rPr lang="ja-JP" altLang="en-US" dirty="0" smtClean="0"/>
+              <a:t>は検索システムなどに相性が良いという利点がる。</a:t>
+            </a:r>
+            <a:r>
+              <a:rPr lang="en-US" altLang="ja-JP" dirty="0" smtClean="0"/>
+              <a:t>Apache</a:t>
+            </a:r>
+            <a:r>
+              <a:rPr lang="ja-JP" altLang="en-US" dirty="0" smtClean="0"/>
+              <a:t>の</a:t>
+            </a:r>
+            <a:r>
+              <a:rPr lang="en-US" altLang="ja-JP" dirty="0" smtClean="0"/>
+              <a:t>httpd.com</a:t>
+            </a:r>
+            <a:r>
+              <a:rPr lang="ja-JP" altLang="en-US" dirty="0" smtClean="0"/>
+              <a:t>を編集することで実現できる。</a:t>
+            </a:r>
+            <a:r>
+              <a:rPr lang="en-US" altLang="ja-JP" dirty="0" smtClean="0"/>
+              <a:t/>
+            </a:r>
+            <a:br>
+              <a:rPr lang="en-US" altLang="ja-JP" dirty="0" smtClean="0"/>
+            </a:br>
+            <a:r>
+              <a:rPr lang="ja-JP" altLang="en-US" dirty="0" smtClean="0"/>
+              <a:t>しかし、プログラムの処理を分散させるだけなら</a:t>
+            </a:r>
+            <a:r>
+              <a:rPr lang="en-US" altLang="ja-JP" dirty="0" smtClean="0"/>
+              <a:t>WEB</a:t>
+            </a:r>
+            <a:r>
+              <a:rPr lang="ja-JP" altLang="en-US" dirty="0" smtClean="0"/>
+              <a:t>を</a:t>
+            </a:r>
+            <a:r>
+              <a:rPr lang="ja-JP" altLang="en-US" dirty="0" smtClean="0"/>
+              <a:t>通すと遅くなる。他の方が進めている研究内容とリンクさせるには</a:t>
+            </a:r>
+            <a:r>
+              <a:rPr lang="en-US" altLang="ja-JP" dirty="0" err="1" smtClean="0"/>
+              <a:t>Apach</a:t>
+            </a:r>
+            <a:r>
+              <a:rPr lang="ja-JP" altLang="en-US" dirty="0" smtClean="0"/>
+              <a:t>を使わない分散処理</a:t>
+            </a:r>
+            <a:r>
+              <a:rPr lang="ja-JP" altLang="en-US" dirty="0" smtClean="0"/>
+              <a:t>方法で実装させることも考える必要がある。</a:t>
+            </a:r>
+            <a:r>
+              <a:rPr lang="en-US" altLang="ja-JP" dirty="0" smtClean="0"/>
+              <a:t/>
+            </a:r>
+            <a:br>
+              <a:rPr lang="en-US" altLang="ja-JP" dirty="0" smtClean="0"/>
+            </a:br>
+            <a:endParaRPr lang="en-US" altLang="ja-JP" dirty="0" smtClean="0"/>
+          </a:p>
+          <a:p>
+            <a:pPr lvl="1"/>
+            <a:r>
+              <a:rPr lang="ja-JP" altLang="en-US" dirty="0"/>
+              <a:t>実際</a:t>
+            </a:r>
+            <a:r>
+              <a:rPr lang="ja-JP" altLang="en-US" dirty="0" smtClean="0"/>
+              <a:t>にロードバランサーを作るにはシングルボードコンピュータ等が必要なので環境をどうするか。</a:t>
+            </a:r>
+            <a:endParaRPr lang="en-US" altLang="ja-JP" dirty="0" smtClean="0"/>
+          </a:p>
+          <a:p>
+            <a:endParaRPr lang="en-US" altLang="ja-JP" dirty="0" smtClean="0"/>
           </a:p>
         </p:txBody>
       </p:sp>
@@ -4328,6 +4353,93 @@
             <a:fld id="{010A43D1-8C5F-4BB5-96AD-6A66B588192F}" type="slidenum">
               <a:rPr kumimoji="1" lang="ja-JP" altLang="en-US" smtClean="0"/>
               <a:t>4</a:t>
+            </a:fld>
+            <a:endParaRPr kumimoji="1" lang="ja-JP" altLang="en-US"/>
+          </a:p>
+        </p:txBody>
+      </p:sp>
+    </p:spTree>
+    <p:extLst>
+      <p:ext uri="{BB962C8B-B14F-4D97-AF65-F5344CB8AC3E}">
+        <p14:creationId xmlns:p14="http://schemas.microsoft.com/office/powerpoint/2010/main" val="2826616788"/>
+      </p:ext>
+    </p:extLst>
+  </p:cSld>
+  <p:clrMapOvr>
+    <a:masterClrMapping/>
+  </p:clrMapOvr>
+  <p:timing>
+    <p:tnLst>
+      <p:par>
+        <p:cTn id="1" dur="indefinite" restart="never" nodeType="tmRoot"/>
+      </p:par>
+    </p:tnLst>
+  </p:timing>
+</p:sld>
+</file>
+
+<file path=ppt/slides/slide5.xml><?xml version="1.0" encoding="utf-8"?>
+<p:sld xmlns:a="http://schemas.openxmlformats.org/drawingml/2006/main" xmlns:r="http://schemas.openxmlformats.org/officeDocument/2006/relationships" xmlns:p="http://schemas.openxmlformats.org/presentationml/2006/main">
+  <p:cSld>
+    <p:spTree>
+      <p:nvGrpSpPr>
+        <p:cNvPr id="1" name=""/>
+        <p:cNvGrpSpPr/>
+        <p:nvPr/>
+      </p:nvGrpSpPr>
+      <p:grpSpPr>
+        <a:xfrm>
+          <a:off x="0" y="0"/>
+          <a:ext cx="0" cy="0"/>
+          <a:chOff x="0" y="0"/>
+          <a:chExt cx="0" cy="0"/>
+        </a:xfrm>
+      </p:grpSpPr>
+      <p:sp>
+        <p:nvSpPr>
+          <p:cNvPr id="2" name="タイトル 1"/>
+          <p:cNvSpPr>
+            <a:spLocks noGrp="1"/>
+          </p:cNvSpPr>
+          <p:nvPr>
+            <p:ph type="title"/>
+          </p:nvPr>
+        </p:nvSpPr>
+        <p:spPr/>
+        <p:txBody>
+          <a:bodyPr/>
+          <a:lstStyle/>
+          <a:p>
+            <a:r>
+              <a:rPr kumimoji="1" lang="en-US" altLang="ja-JP" dirty="0" smtClean="0"/>
+              <a:t>Kait.jp</a:t>
+            </a:r>
+            <a:r>
+              <a:rPr kumimoji="1" lang="ja-JP" altLang="en-US" dirty="0" smtClean="0"/>
+              <a:t>応答速度の計測結果</a:t>
+            </a:r>
+            <a:endParaRPr kumimoji="1" lang="ja-JP" altLang="en-US" dirty="0"/>
+          </a:p>
+        </p:txBody>
+      </p:sp>
+      <p:sp>
+        <p:nvSpPr>
+          <p:cNvPr id="4" name="スライド番号プレースホルダー 3"/>
+          <p:cNvSpPr>
+            <a:spLocks noGrp="1"/>
+          </p:cNvSpPr>
+          <p:nvPr>
+            <p:ph type="sldNum" sz="quarter" idx="12"/>
+          </p:nvPr>
+        </p:nvSpPr>
+        <p:spPr/>
+        <p:txBody>
+          <a:bodyPr/>
+          <a:lstStyle/>
+          <a:p>
+            <a:fld id="{010A43D1-8C5F-4BB5-96AD-6A66B588192F}" type="slidenum">
+              <a:rPr kumimoji="1" lang="ja-JP" altLang="en-US" smtClean="0"/>
+              <a:t>5</a:t>
             </a:fld>
             <a:endParaRPr kumimoji="1" lang="ja-JP" altLang="en-US"/>
           </a:p>
@@ -4481,7 +4593,7 @@
 </p:sld>
 </file>
 
-<file path=ppt/slides/slide5.xml><?xml version="1.0" encoding="utf-8"?>
+<file path=ppt/slides/slide6.xml><?xml version="1.0" encoding="utf-8"?>
 <p:sld xmlns:a="http://schemas.openxmlformats.org/drawingml/2006/main" xmlns:r="http://schemas.openxmlformats.org/officeDocument/2006/relationships" xmlns:p="http://schemas.openxmlformats.org/presentationml/2006/main">
   <p:cSld>
     <p:spTree>
@@ -4545,7 +4657,7 @@
           <a:p>
             <a:fld id="{010A43D1-8C5F-4BB5-96AD-6A66B588192F}" type="slidenum">
               <a:rPr kumimoji="1" lang="ja-JP" altLang="en-US" smtClean="0"/>
-              <a:t>5</a:t>
+              <a:t>6</a:t>
             </a:fld>
             <a:endParaRPr kumimoji="1" lang="ja-JP" altLang="en-US" dirty="0"/>
           </a:p>
@@ -4730,11 +4842,7 @@
           <a:p>
             <a:r>
               <a:rPr kumimoji="1" lang="ja-JP" altLang="en-US" sz="2400" dirty="0" smtClean="0"/>
-              <a:t>ログから平均を出す</a:t>
-            </a:r>
-            <a:r>
-              <a:rPr kumimoji="1" lang="ja-JP" altLang="en-US" sz="2400" dirty="0" smtClean="0"/>
-              <a:t>プログラム</a:t>
+              <a:t>ログから平均を出すプログラム</a:t>
             </a:r>
             <a:endParaRPr kumimoji="1" lang="ja-JP" altLang="en-US" sz="2400" dirty="0"/>
           </a:p>
@@ -4790,7 +4898,7 @@
 </p:sld>
 </file>
 
-<file path=ppt/slides/slide6.xml><?xml version="1.0" encoding="utf-8"?>
+<file path=ppt/slides/slide7.xml><?xml version="1.0" encoding="utf-8"?>
 <p:sld xmlns:a="http://schemas.openxmlformats.org/drawingml/2006/main" xmlns:r="http://schemas.openxmlformats.org/officeDocument/2006/relationships" xmlns:p="http://schemas.openxmlformats.org/presentationml/2006/main">
   <p:cSld>
     <p:spTree>
@@ -4887,7 +4995,7 @@
           <a:p>
             <a:fld id="{010A43D1-8C5F-4BB5-96AD-6A66B588192F}" type="slidenum">
               <a:rPr kumimoji="1" lang="ja-JP" altLang="en-US" smtClean="0"/>
-              <a:t>6</a:t>
+              <a:t>7</a:t>
             </a:fld>
             <a:endParaRPr kumimoji="1" lang="ja-JP" altLang="en-US"/>
           </a:p>
@@ -5081,11 +5189,7 @@
           <a:p>
             <a:r>
               <a:rPr kumimoji="1" lang="ja-JP" altLang="en-US" sz="1400" dirty="0" smtClean="0"/>
-              <a:t>ログから平均を出す</a:t>
-            </a:r>
-            <a:r>
-              <a:rPr kumimoji="1" lang="ja-JP" altLang="en-US" sz="1400" dirty="0" smtClean="0"/>
-              <a:t>プログラム</a:t>
+              <a:t>ログから平均を出すプログラム</a:t>
             </a:r>
             <a:endParaRPr kumimoji="1" lang="ja-JP" altLang="en-US" sz="1400" dirty="0"/>
           </a:p>
@@ -5149,7 +5253,7 @@
 </p:sld>
 </file>
 
-<file path=ppt/slides/slide7.xml><?xml version="1.0" encoding="utf-8"?>
+<file path=ppt/slides/slide8.xml><?xml version="1.0" encoding="utf-8"?>
 <p:sld xmlns:a="http://schemas.openxmlformats.org/drawingml/2006/main" xmlns:r="http://schemas.openxmlformats.org/officeDocument/2006/relationships" xmlns:p="http://schemas.openxmlformats.org/presentationml/2006/main">
   <p:cSld>
     <p:spTree>
@@ -5206,7 +5310,7 @@
           <a:p>
             <a:fld id="{010A43D1-8C5F-4BB5-96AD-6A66B588192F}" type="slidenum">
               <a:rPr kumimoji="1" lang="ja-JP" altLang="en-US" smtClean="0"/>
-              <a:t>7</a:t>
+              <a:t>8</a:t>
             </a:fld>
             <a:endParaRPr kumimoji="1" lang="ja-JP" altLang="en-US"/>
           </a:p>
